--- a/doc/task03/Task3.pptx
+++ b/doc/task03/Task3.pptx
@@ -1,6 +1,6 @@
 
 <file path=ppt/presentation.xml><?xml version="1.0" encoding="utf-8"?>
-<p:presentation xmlns:a="http://schemas.openxmlformats.org/drawingml/2006/main" xmlns:r="http://schemas.openxmlformats.org/officeDocument/2006/relationships" xmlns:p="http://schemas.openxmlformats.org/presentationml/2006/main" saveSubsetFonts="1">
+<p:presentation xmlns:a="http://schemas.openxmlformats.org/drawingml/2006/main" xmlns:r="http://schemas.openxmlformats.org/officeDocument/2006/relationships" xmlns:p="http://schemas.openxmlformats.org/presentationml/2006/main" serverZoom="37614" saveSubsetFonts="1">
   <p:sldMasterIdLst>
     <p:sldMasterId id="2147483660" r:id="rId1"/>
   </p:sldMasterIdLst>
@@ -4376,11 +4376,7 @@
           <a:p>
             <a:r>
               <a:rPr lang="de-DE" dirty="0" smtClean="0"/>
-              <a:t> </a:t>
-            </a:r>
-            <a:r>
-              <a:rPr lang="de-DE" dirty="0" smtClean="0"/>
-              <a:t>Telefonat mit Sozialarbeiterin Kanton SO</a:t>
+              <a:t> Telefonat mit Sozialarbeiterin Kanton SO</a:t>
             </a:r>
           </a:p>
           <a:p>
@@ -4404,7 +4400,6 @@
               <a:rPr lang="de-DE" dirty="0" smtClean="0"/>
               <a:t>?</a:t>
             </a:r>
-            <a:endParaRPr lang="de-DE" dirty="0" smtClean="0"/>
           </a:p>
           <a:p>
             <a:endParaRPr lang="de-DE" dirty="0" smtClean="0"/>
@@ -4610,7 +4605,6 @@
               <a:rPr lang="de-CH" dirty="0"/>
               <a:t>, 29</a:t>
             </a:r>
-            <a:endParaRPr lang="de-CH" dirty="0"/>
           </a:p>
         </p:txBody>
       </p:sp>
@@ -4643,7 +4637,6 @@
               <a:rPr lang="de-CH" dirty="0"/>
               <a:t>, 52 </a:t>
             </a:r>
-            <a:endParaRPr lang="de-CH" dirty="0"/>
           </a:p>
         </p:txBody>
       </p:sp>
@@ -4810,7 +4803,7 @@
         </p:blipFill>
         <p:spPr bwMode="auto">
           <a:xfrm>
-            <a:off x="4787142" y="1752601"/>
+            <a:off x="4787142" y="2076165"/>
             <a:ext cx="4245429" cy="3995056"/>
           </a:xfrm>
           <a:prstGeom prst="rect">
